--- a/android/drawing/doc/slides.pptx
+++ b/android/drawing/doc/slides.pptx
@@ -111,6 +111,11 @@
       </a:defRPr>
     </a:lvl9pPr>
   </p:defaultTextStyle>
+  <p:extLst>
+    <p:ext uri="{EFAFB233-063F-42B5-8137-9DF3F51BA10A}">
+      <p15:sldGuideLst xmlns:p15="http://schemas.microsoft.com/office/powerpoint/2012/main"/>
+    </p:ext>
+  </p:extLst>
 </p:presentation>
 </file>
 
@@ -196,7 +201,7 @@
           <a:p>
             <a:fld id="{F0ADEE69-56D7-4AFE-89A2-11A1DF2671AB}" type="datetimeFigureOut">
               <a:rPr lang="en-US" smtClean="0"/>
-              <a:t>7/30/2015</a:t>
+              <a:t>8/6/2015</a:t>
             </a:fld>
             <a:endParaRPr lang="en-US"/>
           </a:p>
@@ -4773,7 +4778,7 @@
       </p:sp>
       <p:pic>
         <p:nvPicPr>
-          <p:cNvPr id="8" name="Picture 7"/>
+          <p:cNvPr id="2" name="Picture 1"/>
           <p:cNvPicPr>
             <a:picLocks noChangeAspect="1"/>
           </p:cNvPicPr>
@@ -4793,8 +4798,8 @@
         </p:blipFill>
         <p:spPr>
           <a:xfrm>
-            <a:off x="1258524" y="365125"/>
-            <a:ext cx="3857625" cy="5281749"/>
+            <a:off x="1558834" y="654559"/>
+            <a:ext cx="2995748" cy="5325772"/>
           </a:xfrm>
           <a:prstGeom prst="rect">
             <a:avLst/>
@@ -4817,7 +4822,7 @@
       </p:pic>
       <p:pic>
         <p:nvPicPr>
-          <p:cNvPr id="9" name="Picture 8"/>
+          <p:cNvPr id="3" name="Picture 2"/>
           <p:cNvPicPr>
             <a:picLocks noChangeAspect="1"/>
           </p:cNvPicPr>
@@ -4837,8 +4842,8 @@
         </p:blipFill>
         <p:spPr>
           <a:xfrm>
-            <a:off x="5286103" y="365430"/>
-            <a:ext cx="6293394" cy="3540034"/>
+            <a:off x="5286103" y="654559"/>
+            <a:ext cx="5581226" cy="3139440"/>
           </a:xfrm>
           <a:prstGeom prst="rect">
             <a:avLst/>
